--- a/코딩테스트/발표자료/1주차_해시테이블.pptx
+++ b/코딩테스트/발표자료/1주차_해시테이블.pptx
@@ -270,7 +270,7 @@
           <a:p>
             <a:fld id="{E8D4BC39-D0FA-42E2-9607-F3404015224D}" type="datetimeFigureOut">
               <a:rPr lang="ko-KR" altLang="en-US" smtClean="0"/>
-              <a:t>2023-02-04</a:t>
+              <a:t>2023-02-05</a:t>
             </a:fld>
             <a:endParaRPr lang="ko-KR" altLang="en-US"/>
           </a:p>
@@ -468,7 +468,7 @@
           <a:p>
             <a:fld id="{E8D4BC39-D0FA-42E2-9607-F3404015224D}" type="datetimeFigureOut">
               <a:rPr lang="ko-KR" altLang="en-US" smtClean="0"/>
-              <a:t>2023-02-04</a:t>
+              <a:t>2023-02-05</a:t>
             </a:fld>
             <a:endParaRPr lang="ko-KR" altLang="en-US"/>
           </a:p>
@@ -676,7 +676,7 @@
           <a:p>
             <a:fld id="{E8D4BC39-D0FA-42E2-9607-F3404015224D}" type="datetimeFigureOut">
               <a:rPr lang="ko-KR" altLang="en-US" smtClean="0"/>
-              <a:t>2023-02-04</a:t>
+              <a:t>2023-02-05</a:t>
             </a:fld>
             <a:endParaRPr lang="ko-KR" altLang="en-US"/>
           </a:p>
@@ -874,7 +874,7 @@
           <a:p>
             <a:fld id="{E8D4BC39-D0FA-42E2-9607-F3404015224D}" type="datetimeFigureOut">
               <a:rPr lang="ko-KR" altLang="en-US" smtClean="0"/>
-              <a:t>2023-02-04</a:t>
+              <a:t>2023-02-05</a:t>
             </a:fld>
             <a:endParaRPr lang="ko-KR" altLang="en-US"/>
           </a:p>
@@ -1149,7 +1149,7 @@
           <a:p>
             <a:fld id="{E8D4BC39-D0FA-42E2-9607-F3404015224D}" type="datetimeFigureOut">
               <a:rPr lang="ko-KR" altLang="en-US" smtClean="0"/>
-              <a:t>2023-02-04</a:t>
+              <a:t>2023-02-05</a:t>
             </a:fld>
             <a:endParaRPr lang="ko-KR" altLang="en-US"/>
           </a:p>
@@ -1414,7 +1414,7 @@
           <a:p>
             <a:fld id="{E8D4BC39-D0FA-42E2-9607-F3404015224D}" type="datetimeFigureOut">
               <a:rPr lang="ko-KR" altLang="en-US" smtClean="0"/>
-              <a:t>2023-02-04</a:t>
+              <a:t>2023-02-05</a:t>
             </a:fld>
             <a:endParaRPr lang="ko-KR" altLang="en-US"/>
           </a:p>
@@ -1826,7 +1826,7 @@
           <a:p>
             <a:fld id="{E8D4BC39-D0FA-42E2-9607-F3404015224D}" type="datetimeFigureOut">
               <a:rPr lang="ko-KR" altLang="en-US" smtClean="0"/>
-              <a:t>2023-02-04</a:t>
+              <a:t>2023-02-05</a:t>
             </a:fld>
             <a:endParaRPr lang="ko-KR" altLang="en-US"/>
           </a:p>
@@ -1967,7 +1967,7 @@
           <a:p>
             <a:fld id="{E8D4BC39-D0FA-42E2-9607-F3404015224D}" type="datetimeFigureOut">
               <a:rPr lang="ko-KR" altLang="en-US" smtClean="0"/>
-              <a:t>2023-02-04</a:t>
+              <a:t>2023-02-05</a:t>
             </a:fld>
             <a:endParaRPr lang="ko-KR" altLang="en-US"/>
           </a:p>
@@ -2080,7 +2080,7 @@
           <a:p>
             <a:fld id="{E8D4BC39-D0FA-42E2-9607-F3404015224D}" type="datetimeFigureOut">
               <a:rPr lang="ko-KR" altLang="en-US" smtClean="0"/>
-              <a:t>2023-02-04</a:t>
+              <a:t>2023-02-05</a:t>
             </a:fld>
             <a:endParaRPr lang="ko-KR" altLang="en-US"/>
           </a:p>
@@ -2391,7 +2391,7 @@
           <a:p>
             <a:fld id="{E8D4BC39-D0FA-42E2-9607-F3404015224D}" type="datetimeFigureOut">
               <a:rPr lang="ko-KR" altLang="en-US" smtClean="0"/>
-              <a:t>2023-02-04</a:t>
+              <a:t>2023-02-05</a:t>
             </a:fld>
             <a:endParaRPr lang="ko-KR" altLang="en-US"/>
           </a:p>
@@ -2679,7 +2679,7 @@
           <a:p>
             <a:fld id="{E8D4BC39-D0FA-42E2-9607-F3404015224D}" type="datetimeFigureOut">
               <a:rPr lang="ko-KR" altLang="en-US" smtClean="0"/>
-              <a:t>2023-02-04</a:t>
+              <a:t>2023-02-05</a:t>
             </a:fld>
             <a:endParaRPr lang="ko-KR" altLang="en-US"/>
           </a:p>
@@ -2920,7 +2920,7 @@
           <a:p>
             <a:fld id="{E8D4BC39-D0FA-42E2-9607-F3404015224D}" type="datetimeFigureOut">
               <a:rPr lang="ko-KR" altLang="en-US" smtClean="0"/>
-              <a:t>2023-02-04</a:t>
+              <a:t>2023-02-05</a:t>
             </a:fld>
             <a:endParaRPr lang="ko-KR" altLang="en-US"/>
           </a:p>
@@ -10471,7 +10471,7 @@
         <p:spPr>
           <a:xfrm>
             <a:off x="7656371" y="3190815"/>
-            <a:ext cx="421910" cy="369332"/>
+            <a:ext cx="377026" cy="369332"/>
           </a:xfrm>
           <a:prstGeom prst="rect">
             <a:avLst/>
@@ -10485,12 +10485,16 @@
           <a:lstStyle/>
           <a:p>
             <a:r>
-              <a:rPr lang="en-US" altLang="ko-KR" dirty="0">
+              <a:rPr lang="ko-KR" altLang="en-US" dirty="0">
                 <a:latin typeface="배달의민족 주아 OTF" panose="02020603020101020101" pitchFamily="18" charset="-127"/>
                 <a:ea typeface="배달의민족 주아 OTF" panose="02020603020101020101" pitchFamily="18" charset="-127"/>
               </a:rPr>
-              <a:t>16</a:t>
-            </a:r>
+              <a:t>근</a:t>
+            </a:r>
+            <a:endParaRPr lang="en-US" altLang="ko-KR" dirty="0">
+              <a:latin typeface="배달의민족 주아 OTF" panose="02020603020101020101" pitchFamily="18" charset="-127"/>
+              <a:ea typeface="배달의민족 주아 OTF" panose="02020603020101020101" pitchFamily="18" charset="-127"/>
+            </a:endParaRPr>
           </a:p>
         </p:txBody>
       </p:sp>
@@ -11054,7 +11058,7 @@
         </p:nvSpPr>
         <p:spPr>
           <a:xfrm>
-            <a:off x="3318360" y="2145750"/>
+            <a:off x="3394972" y="2145750"/>
             <a:ext cx="5355935" cy="2459461"/>
           </a:xfrm>
           <a:prstGeom prst="round2DiagRect">
@@ -11265,7 +11269,7 @@
         </p:nvSpPr>
         <p:spPr>
           <a:xfrm>
-            <a:off x="1472184" y="1642531"/>
+            <a:off x="1844040" y="1579779"/>
             <a:ext cx="8503920" cy="4779793"/>
           </a:xfrm>
           <a:prstGeom prst="roundRect">
@@ -11435,7 +11439,7 @@
         </p:nvSpPr>
         <p:spPr>
           <a:xfrm>
-            <a:off x="4067885" y="755716"/>
+            <a:off x="4439741" y="692964"/>
             <a:ext cx="2768780" cy="1133550"/>
           </a:xfrm>
           <a:prstGeom prst="round2DiagRect">
@@ -11538,7 +11542,7 @@
         </p:nvSpPr>
         <p:spPr>
           <a:xfrm>
-            <a:off x="3051048" y="3086054"/>
+            <a:off x="3162628" y="3043208"/>
             <a:ext cx="6382512" cy="1852934"/>
           </a:xfrm>
           <a:prstGeom prst="rect">
